--- a/SQL-Project Presentation.pptx
+++ b/SQL-Project Presentation.pptx
@@ -1524,7 +1524,7 @@
             <a:fld id="{CAFBAABE-3F90-461F-A323-F1F0ED97808F}" type="datetimeFigureOut">
               <a:rPr lang="es-CO" smtClean="0"/>
               <a:pPr/>
-              <a:t>11/03/2023</a:t>
+              <a:t>13/03/2023</a:t>
             </a:fld>
             <a:endParaRPr lang="es-CO"/>
           </a:p>
@@ -1687,7 +1687,7 @@
             <a:fld id="{7E380EA3-23FE-4239-8BD4-EE4337307DEA}" type="datetimeFigureOut">
               <a:rPr lang="es-CO" smtClean="0"/>
               <a:pPr/>
-              <a:t>11/03/2023</a:t>
+              <a:t>13/03/2023</a:t>
             </a:fld>
             <a:endParaRPr lang="es-CO"/>
           </a:p>
@@ -2350,432 +2350,6 @@
           </a:bodyPr>
           <a:lstStyle/>
           <a:p>
-            <a:pPr marL="0" marR="0" lvl="0" indent="0" algn="l" defTabSz="914298" rtl="0" eaLnBrk="1" fontAlgn="auto" latinLnBrk="0" hangingPunct="1">
-              <a:lnSpc>
-                <a:spcPct val="100000"/>
-              </a:lnSpc>
-              <a:spcBef>
-                <a:spcPts val="0"/>
-              </a:spcBef>
-              <a:spcAft>
-                <a:spcPts val="0"/>
-              </a:spcAft>
-              <a:buClrTx/>
-              <a:buSzTx/>
-              <a:buFontTx/>
-              <a:buNone/>
-              <a:tabLst/>
-              <a:defRPr/>
-            </a:pPr>
-            <a:r>
-              <a:rPr lang="en-US" dirty="0"/>
-              <a:t>Check field values + uniqueness</a:t>
-            </a:r>
-          </a:p>
-          <a:p>
-            <a:pPr marL="0" marR="0" lvl="0" indent="0" algn="l" defTabSz="914298" rtl="0" eaLnBrk="1" fontAlgn="auto" latinLnBrk="0" hangingPunct="1">
-              <a:lnSpc>
-                <a:spcPct val="100000"/>
-              </a:lnSpc>
-              <a:spcBef>
-                <a:spcPts val="0"/>
-              </a:spcBef>
-              <a:spcAft>
-                <a:spcPts val="0"/>
-              </a:spcAft>
-              <a:buClrTx/>
-              <a:buSzTx/>
-              <a:buFontTx/>
-              <a:buNone/>
-              <a:tabLst/>
-              <a:defRPr/>
-            </a:pPr>
-            <a:endParaRPr lang="en-US" dirty="0"/>
-          </a:p>
-          <a:p>
-            <a:pPr marL="0" marR="0" lvl="0" indent="0" algn="l" defTabSz="914298" rtl="0" eaLnBrk="1" fontAlgn="auto" latinLnBrk="0" hangingPunct="1">
-              <a:lnSpc>
-                <a:spcPct val="100000"/>
-              </a:lnSpc>
-              <a:spcBef>
-                <a:spcPts val="0"/>
-              </a:spcBef>
-              <a:spcAft>
-                <a:spcPts val="0"/>
-              </a:spcAft>
-              <a:buClrTx/>
-              <a:buSzTx/>
-              <a:buFontTx/>
-              <a:buNone/>
-              <a:tabLst/>
-              <a:defRPr/>
-            </a:pPr>
-            <a:r>
-              <a:rPr lang="en-US" dirty="0"/>
-              <a:t>Identifying your risk areas (i.e. how the SQL queries could go wrong) will help guide you in developing your own QA process.   ….. Comparing Row Counts Against </a:t>
-            </a:r>
-            <a:r>
-              <a:rPr lang="en-US" dirty="0" err="1"/>
-              <a:t>Averages+Calculating</a:t>
-            </a:r>
-            <a:r>
-              <a:rPr lang="en-US" dirty="0"/>
-              <a:t> Percent Change (Variance)</a:t>
-            </a:r>
-            <a:endParaRPr lang="en-CA" dirty="0"/>
-          </a:p>
-          <a:p>
-            <a:endParaRPr lang="es-CO" dirty="0"/>
-          </a:p>
-          <a:p>
-            <a:r>
-              <a:rPr lang="en-CA" sz="1200" kern="1200" dirty="0" err="1">
-                <a:solidFill>
-                  <a:schemeClr val="tx1"/>
-                </a:solidFill>
-                <a:effectLst/>
-                <a:latin typeface="+mn-lt"/>
-                <a:ea typeface="+mn-ea"/>
-                <a:cs typeface="+mn-cs"/>
-              </a:rPr>
-              <a:t>All_session</a:t>
-            </a:r>
-            <a:r>
-              <a:rPr lang="en-CA" sz="1200" kern="1200" dirty="0">
-                <a:solidFill>
-                  <a:schemeClr val="tx1"/>
-                </a:solidFill>
-                <a:effectLst/>
-                <a:latin typeface="+mn-lt"/>
-                <a:ea typeface="+mn-ea"/>
-                <a:cs typeface="+mn-cs"/>
-              </a:rPr>
-              <a:t>: by using the </a:t>
-            </a:r>
-            <a:r>
-              <a:rPr lang="en-CA" sz="1200" kern="1200" dirty="0" err="1">
-                <a:solidFill>
-                  <a:schemeClr val="tx1"/>
-                </a:solidFill>
-                <a:effectLst/>
-                <a:latin typeface="+mn-lt"/>
-                <a:ea typeface="+mn-ea"/>
-                <a:cs typeface="+mn-cs"/>
-              </a:rPr>
-              <a:t>counta</a:t>
-            </a:r>
-            <a:r>
-              <a:rPr lang="en-CA" sz="1200" kern="1200" dirty="0">
-                <a:solidFill>
-                  <a:schemeClr val="tx1"/>
-                </a:solidFill>
-                <a:effectLst/>
-                <a:latin typeface="+mn-lt"/>
-                <a:ea typeface="+mn-ea"/>
-                <a:cs typeface="+mn-cs"/>
-              </a:rPr>
-              <a:t>() function, columns </a:t>
-            </a:r>
-            <a:r>
-              <a:rPr lang="en-CA" sz="1200" kern="1200" dirty="0" err="1">
-                <a:solidFill>
-                  <a:schemeClr val="tx1"/>
-                </a:solidFill>
-                <a:effectLst/>
-                <a:latin typeface="+mn-lt"/>
-                <a:ea typeface="+mn-ea"/>
-                <a:cs typeface="+mn-cs"/>
-              </a:rPr>
-              <a:t>productRefundAmount</a:t>
-            </a:r>
-            <a:r>
-              <a:rPr lang="en-CA" sz="1200" kern="1200" dirty="0">
-                <a:solidFill>
-                  <a:schemeClr val="tx1"/>
-                </a:solidFill>
-                <a:effectLst/>
-                <a:latin typeface="+mn-lt"/>
-                <a:ea typeface="+mn-ea"/>
-                <a:cs typeface="+mn-cs"/>
-              </a:rPr>
-              <a:t>(N), </a:t>
-            </a:r>
-            <a:r>
-              <a:rPr lang="en-CA" sz="1200" kern="1200" dirty="0" err="1">
-                <a:solidFill>
-                  <a:schemeClr val="tx1"/>
-                </a:solidFill>
-                <a:effectLst/>
-                <a:latin typeface="+mn-lt"/>
-                <a:ea typeface="+mn-ea"/>
-                <a:cs typeface="+mn-cs"/>
-              </a:rPr>
-              <a:t>itemQuantity</a:t>
-            </a:r>
-            <a:r>
-              <a:rPr lang="en-CA" sz="1200" kern="1200" dirty="0">
-                <a:solidFill>
-                  <a:schemeClr val="tx1"/>
-                </a:solidFill>
-                <a:effectLst/>
-                <a:latin typeface="+mn-lt"/>
-                <a:ea typeface="+mn-ea"/>
-                <a:cs typeface="+mn-cs"/>
-              </a:rPr>
-              <a:t> (W), </a:t>
-            </a:r>
-            <a:r>
-              <a:rPr lang="en-CA" sz="1200" kern="1200" dirty="0" err="1">
-                <a:solidFill>
-                  <a:schemeClr val="tx1"/>
-                </a:solidFill>
-                <a:effectLst/>
-                <a:latin typeface="+mn-lt"/>
-                <a:ea typeface="+mn-ea"/>
-                <a:cs typeface="+mn-cs"/>
-              </a:rPr>
-              <a:t>itemRevenue</a:t>
-            </a:r>
-            <a:r>
-              <a:rPr lang="en-CA" sz="1200" kern="1200" dirty="0">
-                <a:solidFill>
-                  <a:schemeClr val="tx1"/>
-                </a:solidFill>
-                <a:effectLst/>
-                <a:latin typeface="+mn-lt"/>
-                <a:ea typeface="+mn-ea"/>
-                <a:cs typeface="+mn-cs"/>
-              </a:rPr>
-              <a:t> (X), and </a:t>
-            </a:r>
-            <a:r>
-              <a:rPr lang="en-CA" sz="1200" kern="1200" dirty="0" err="1">
-                <a:solidFill>
-                  <a:schemeClr val="tx1"/>
-                </a:solidFill>
-                <a:effectLst/>
-                <a:latin typeface="+mn-lt"/>
-                <a:ea typeface="+mn-ea"/>
-                <a:cs typeface="+mn-cs"/>
-              </a:rPr>
-              <a:t>searchKeyword</a:t>
-            </a:r>
-            <a:r>
-              <a:rPr lang="en-CA" sz="1200" kern="1200" dirty="0">
-                <a:solidFill>
-                  <a:schemeClr val="tx1"/>
-                </a:solidFill>
-                <a:effectLst/>
-                <a:latin typeface="+mn-lt"/>
-                <a:ea typeface="+mn-ea"/>
-                <a:cs typeface="+mn-cs"/>
-              </a:rPr>
-              <a:t> (AB) with all empty cells, were deleted. Additionally, columns </a:t>
-            </a:r>
-            <a:r>
-              <a:rPr lang="en-CA" sz="1200" kern="1200" dirty="0" err="1">
-                <a:solidFill>
-                  <a:schemeClr val="tx1"/>
-                </a:solidFill>
-                <a:effectLst/>
-                <a:latin typeface="+mn-lt"/>
-                <a:ea typeface="+mn-ea"/>
-                <a:cs typeface="+mn-cs"/>
-              </a:rPr>
-              <a:t>productRevenue</a:t>
-            </a:r>
-            <a:r>
-              <a:rPr lang="en-CA" sz="1200" kern="1200" dirty="0">
-                <a:solidFill>
-                  <a:schemeClr val="tx1"/>
-                </a:solidFill>
-                <a:effectLst/>
-                <a:latin typeface="+mn-lt"/>
-                <a:ea typeface="+mn-ea"/>
-                <a:cs typeface="+mn-cs"/>
-              </a:rPr>
-              <a:t> (Q) </a:t>
-            </a:r>
-            <a:r>
-              <a:rPr lang="en-CA" sz="1200" kern="1200" dirty="0" err="1">
-                <a:solidFill>
-                  <a:schemeClr val="tx1"/>
-                </a:solidFill>
-                <a:effectLst/>
-                <a:latin typeface="+mn-lt"/>
-                <a:ea typeface="+mn-ea"/>
-                <a:cs typeface="+mn-cs"/>
-              </a:rPr>
-              <a:t>transactionRevenue</a:t>
-            </a:r>
-            <a:r>
-              <a:rPr lang="en-CA" sz="1200" kern="1200" dirty="0">
-                <a:solidFill>
-                  <a:schemeClr val="tx1"/>
-                </a:solidFill>
-                <a:effectLst/>
-                <a:latin typeface="+mn-lt"/>
-                <a:ea typeface="+mn-ea"/>
-                <a:cs typeface="+mn-cs"/>
-              </a:rPr>
-              <a:t> (Y) with 4 cells not empty, and </a:t>
-            </a:r>
-            <a:r>
-              <a:rPr lang="en-CA" sz="1200" kern="1200" dirty="0" err="1">
-                <a:solidFill>
-                  <a:schemeClr val="tx1"/>
-                </a:solidFill>
-                <a:effectLst/>
-                <a:latin typeface="+mn-lt"/>
-                <a:ea typeface="+mn-ea"/>
-                <a:cs typeface="+mn-cs"/>
-              </a:rPr>
-              <a:t>transactionId</a:t>
-            </a:r>
-            <a:r>
-              <a:rPr lang="en-CA" sz="1200" kern="1200" dirty="0">
-                <a:solidFill>
-                  <a:schemeClr val="tx1"/>
-                </a:solidFill>
-                <a:effectLst/>
-                <a:latin typeface="+mn-lt"/>
-                <a:ea typeface="+mn-ea"/>
-                <a:cs typeface="+mn-cs"/>
-              </a:rPr>
-              <a:t> (Z) with 9 cells not empty, were deleted.</a:t>
-            </a:r>
-            <a:endParaRPr lang="en-CA" noProof="0" dirty="0"/>
-          </a:p>
-          <a:p>
-            <a:pPr marL="0" marR="0" lvl="0" indent="0" algn="l" defTabSz="914298" rtl="0" eaLnBrk="1" fontAlgn="auto" latinLnBrk="0" hangingPunct="1">
-              <a:lnSpc>
-                <a:spcPct val="100000"/>
-              </a:lnSpc>
-              <a:spcBef>
-                <a:spcPts val="0"/>
-              </a:spcBef>
-              <a:spcAft>
-                <a:spcPts val="0"/>
-              </a:spcAft>
-              <a:buClrTx/>
-              <a:buSzTx/>
-              <a:buFontTx/>
-              <a:buNone/>
-              <a:tabLst/>
-              <a:defRPr/>
-            </a:pPr>
-            <a:r>
-              <a:rPr lang="en-CA" sz="1200" kern="1200" dirty="0">
-                <a:solidFill>
-                  <a:schemeClr val="tx1"/>
-                </a:solidFill>
-                <a:effectLst/>
-                <a:latin typeface="+mn-lt"/>
-                <a:ea typeface="+mn-ea"/>
-                <a:cs typeface="+mn-cs"/>
-              </a:rPr>
-              <a:t>Analytics: using </a:t>
-            </a:r>
-            <a:r>
-              <a:rPr lang="en-CA" sz="1200" kern="1200" dirty="0" err="1">
-                <a:solidFill>
-                  <a:schemeClr val="tx1"/>
-                </a:solidFill>
-                <a:effectLst/>
-                <a:latin typeface="+mn-lt"/>
-                <a:ea typeface="+mn-ea"/>
-                <a:cs typeface="+mn-cs"/>
-              </a:rPr>
-              <a:t>counta</a:t>
-            </a:r>
-            <a:r>
-              <a:rPr lang="en-CA" sz="1200" kern="1200" dirty="0">
-                <a:solidFill>
-                  <a:schemeClr val="tx1"/>
-                </a:solidFill>
-                <a:effectLst/>
-                <a:latin typeface="+mn-lt"/>
-                <a:ea typeface="+mn-ea"/>
-                <a:cs typeface="+mn-cs"/>
-              </a:rPr>
-              <a:t>() it was found that </a:t>
-            </a:r>
-            <a:r>
-              <a:rPr lang="en-CA" sz="1200" kern="1200" dirty="0" err="1">
-                <a:solidFill>
-                  <a:schemeClr val="tx1"/>
-                </a:solidFill>
-                <a:effectLst/>
-                <a:latin typeface="+mn-lt"/>
-                <a:ea typeface="+mn-ea"/>
-                <a:cs typeface="+mn-cs"/>
-              </a:rPr>
-              <a:t>usedid</a:t>
-            </a:r>
-            <a:r>
-              <a:rPr lang="en-CA" sz="1200" kern="1200" dirty="0">
-                <a:solidFill>
-                  <a:schemeClr val="tx1"/>
-                </a:solidFill>
-                <a:effectLst/>
-                <a:latin typeface="+mn-lt"/>
-                <a:ea typeface="+mn-ea"/>
-                <a:cs typeface="+mn-cs"/>
-              </a:rPr>
-              <a:t>(F) column had all its cells empty. With only removing the </a:t>
-            </a:r>
-            <a:r>
-              <a:rPr lang="en-CA" sz="1200" kern="1200" dirty="0" err="1">
-                <a:solidFill>
-                  <a:schemeClr val="tx1"/>
-                </a:solidFill>
-                <a:effectLst/>
-                <a:latin typeface="+mn-lt"/>
-                <a:ea typeface="+mn-ea"/>
-                <a:cs typeface="+mn-cs"/>
-              </a:rPr>
-              <a:t>userdID</a:t>
-            </a:r>
-            <a:r>
-              <a:rPr lang="en-CA" sz="1200" kern="1200" dirty="0">
-                <a:solidFill>
-                  <a:schemeClr val="tx1"/>
-                </a:solidFill>
-                <a:effectLst/>
-                <a:latin typeface="+mn-lt"/>
-                <a:ea typeface="+mn-ea"/>
-                <a:cs typeface="+mn-cs"/>
-              </a:rPr>
-              <a:t> cell, file size was reduced from 438 to 74.2 MBs. Candidate for future inspection: revenue (M).</a:t>
-            </a:r>
-          </a:p>
-          <a:p>
-            <a:r>
-              <a:rPr lang="en-CA" sz="1200" kern="1200" dirty="0" err="1">
-                <a:solidFill>
-                  <a:schemeClr val="tx1"/>
-                </a:solidFill>
-                <a:effectLst/>
-                <a:latin typeface="+mn-lt"/>
-                <a:ea typeface="+mn-ea"/>
-                <a:cs typeface="+mn-cs"/>
-              </a:rPr>
-              <a:t>CurrentCurrency</a:t>
-            </a:r>
-            <a:r>
-              <a:rPr lang="en-CA" sz="1200" kern="1200" dirty="0">
-                <a:solidFill>
-                  <a:schemeClr val="tx1"/>
-                </a:solidFill>
-                <a:effectLst/>
-                <a:latin typeface="+mn-lt"/>
-                <a:ea typeface="+mn-ea"/>
-                <a:cs typeface="+mn-cs"/>
-              </a:rPr>
-              <a:t> USD (Irrelevant).</a:t>
-            </a:r>
-          </a:p>
-          <a:p>
             <a:endParaRPr lang="es-CO" dirty="0"/>
           </a:p>
         </p:txBody>
@@ -3053,7 +2627,7 @@
               <a:pPr>
                 <a:defRPr/>
               </a:pPr>
-              <a:t>11/03/2023</a:t>
+              <a:t>13/03/2023</a:t>
             </a:fld>
             <a:endParaRPr lang="es-ES" dirty="0"/>
           </a:p>
@@ -3427,7 +3001,7 @@
               <a:pPr>
                 <a:defRPr/>
               </a:pPr>
-              <a:t>11/03/2023</a:t>
+              <a:t>13/03/2023</a:t>
             </a:fld>
             <a:endParaRPr lang="es-ES" dirty="0"/>
           </a:p>
@@ -3617,7 +3191,7 @@
               <a:pPr>
                 <a:defRPr/>
               </a:pPr>
-              <a:t>11/03/2023</a:t>
+              <a:t>13/03/2023</a:t>
             </a:fld>
             <a:endParaRPr lang="es-ES" dirty="0"/>
           </a:p>
@@ -3867,7 +3441,7 @@
               <a:pPr>
                 <a:defRPr/>
               </a:pPr>
-              <a:t>11/03/2023</a:t>
+              <a:t>13/03/2023</a:t>
             </a:fld>
             <a:endParaRPr lang="es-ES" dirty="0"/>
           </a:p>
@@ -4151,7 +3725,7 @@
               <a:pPr>
                 <a:defRPr/>
               </a:pPr>
-              <a:t>11/03/2023</a:t>
+              <a:t>13/03/2023</a:t>
             </a:fld>
             <a:endParaRPr lang="es-ES" dirty="0"/>
           </a:p>
@@ -4386,7 +3960,7 @@
               <a:pPr>
                 <a:defRPr/>
               </a:pPr>
-              <a:t>11/03/2023</a:t>
+              <a:t>13/03/2023</a:t>
             </a:fld>
             <a:endParaRPr lang="es-ES" dirty="0"/>
           </a:p>
@@ -4753,7 +4327,7 @@
               <a:pPr>
                 <a:defRPr/>
               </a:pPr>
-              <a:t>11/03/2023</a:t>
+              <a:t>13/03/2023</a:t>
             </a:fld>
             <a:endParaRPr lang="es-ES" dirty="0"/>
           </a:p>
@@ -5000,7 +4574,7 @@
               <a:pPr>
                 <a:defRPr/>
               </a:pPr>
-              <a:t>11/03/2023</a:t>
+              <a:t>13/03/2023</a:t>
             </a:fld>
             <a:endParaRPr lang="es-ES" dirty="0"/>
           </a:p>
@@ -5155,7 +4729,7 @@
               <a:pPr>
                 <a:defRPr/>
               </a:pPr>
-              <a:t>11/03/2023</a:t>
+              <a:t>13/03/2023</a:t>
             </a:fld>
             <a:endParaRPr lang="es-ES" dirty="0"/>
           </a:p>
@@ -5447,7 +5021,7 @@
               <a:pPr>
                 <a:defRPr/>
               </a:pPr>
-              <a:t>11/03/2023</a:t>
+              <a:t>13/03/2023</a:t>
             </a:fld>
             <a:endParaRPr lang="es-ES" dirty="0"/>
           </a:p>
@@ -5869,7 +5443,7 @@
               <a:pPr>
                 <a:defRPr/>
               </a:pPr>
-              <a:t>11/03/2023</a:t>
+              <a:t>13/03/2023</a:t>
             </a:fld>
             <a:endParaRPr lang="es-ES" dirty="0"/>
           </a:p>
@@ -6222,7 +5796,7 @@
               <a:pPr>
                 <a:defRPr/>
               </a:pPr>
-              <a:t>11/03/2023</a:t>
+              <a:t>13/03/2023</a:t>
             </a:fld>
             <a:endParaRPr lang="es-ES" dirty="0"/>
           </a:p>
@@ -10941,8 +10515,8 @@
         </p:nvSpPr>
         <p:spPr>
           <a:xfrm>
-            <a:off x="498375" y="1340768"/>
-            <a:ext cx="8147249" cy="4801314"/>
+            <a:off x="467544" y="1751905"/>
+            <a:ext cx="8147249" cy="3693319"/>
           </a:xfrm>
           <a:prstGeom prst="rect">
             <a:avLst/>
@@ -10959,8 +10533,12 @@
               <a:buChar char="•"/>
             </a:pPr>
             <a:r>
+              <a:rPr lang="en-US" b="1" dirty="0"/>
+              <a:t>Cities with the highest level of transaction revenues: </a:t>
+            </a:r>
+            <a:r>
               <a:rPr lang="en-US" dirty="0"/>
-              <a:t>The 5 cities with the highest level of the transaction revenues are Atlanta, Sunnyvale, and Los Angeles in the US, Tel-Avid in Israel, and Sydney in Australia.</a:t>
+              <a:t>Atlanta, Sunnyvale, and Los Angeles (US), Tel-Avid (Israel), and Sydney (Australia).</a:t>
             </a:r>
           </a:p>
           <a:p>
@@ -10972,8 +10550,12 @@
               <a:buChar char="•"/>
             </a:pPr>
             <a:r>
+              <a:rPr lang="en-US" b="1" dirty="0"/>
+              <a:t>Cities with the highest average number of products ordered: </a:t>
+            </a:r>
+            <a:r>
               <a:rPr lang="en-US" dirty="0"/>
-              <a:t>The 5 cities with the highest average number of products ordered are Council Bluffs, Bellflower, and Bellingham in the US, Cork in Ireland, and Santiago in Chile.</a:t>
+              <a:t>Council Bluffs, Bellflower, and Bellingham (US), Cork (Ireland), and Santiago (Chile)</a:t>
             </a:r>
           </a:p>
           <a:p>
@@ -10989,6 +10571,10 @@
               <a:buChar char="•"/>
             </a:pPr>
             <a:r>
+              <a:rPr lang="en-US" b="1" dirty="0"/>
+              <a:t>Categories with the highest amounts of ordered products: </a:t>
+            </a:r>
+            <a:r>
               <a:rPr lang="en-US" dirty="0"/>
               <a:t>Fun (Home - Accessories) and </a:t>
             </a:r>
@@ -10998,7 +10584,7 @@
             </a:r>
             <a:r>
               <a:rPr lang="en-US" dirty="0"/>
-              <a:t> (Home - Accessories) were the categories with the highest amounts of quantities of ordered products.</a:t>
+              <a:t> (Home - Accessories).</a:t>
             </a:r>
           </a:p>
           <a:p>
@@ -11014,8 +10600,12 @@
               <a:buChar char="•"/>
             </a:pPr>
             <a:r>
+              <a:rPr lang="en-US" b="1" dirty="0"/>
+              <a:t>Top-selling products: </a:t>
+            </a:r>
+            <a:r>
               <a:rPr lang="en-US" dirty="0"/>
-              <a:t>Kick Ball and 22 oz Water Bottle are the top-selling products.</a:t>
+              <a:t>Kick Ball and 22oz Water Bottle.</a:t>
             </a:r>
           </a:p>
           <a:p>
@@ -11031,15 +10621,13 @@
               <a:buChar char="•"/>
             </a:pPr>
             <a:r>
+              <a:rPr lang="en-US" b="1" dirty="0"/>
+              <a:t>Top 3 cities in terms of revenue generation: </a:t>
+            </a:r>
+            <a:r>
               <a:rPr lang="en-US" dirty="0"/>
-              <a:t>San Francisco, Sunnyvale, and Atlanta (All of them from the US) are the top 3 cities in terms of revenue generation.</a:t>
-            </a:r>
-          </a:p>
-          <a:p>
-            <a:br>
-              <a:rPr lang="en-US" dirty="0"/>
-            </a:br>
-            <a:endParaRPr lang="en-US" dirty="0"/>
+              <a:t>San Francisco, Sunnyvale, and Atlanta (from the US).</a:t>
+            </a:r>
           </a:p>
         </p:txBody>
       </p:sp>
@@ -11205,79 +10793,10 @@
       </p:sp>
       <p:sp>
         <p:nvSpPr>
-          <p:cNvPr id="22" name="21 Rectángulo"/>
-          <p:cNvSpPr/>
-          <p:nvPr/>
-        </p:nvSpPr>
-        <p:spPr>
-          <a:xfrm>
-            <a:off x="539552" y="1018828"/>
-            <a:ext cx="8496944" cy="923330"/>
-          </a:xfrm>
-          <a:prstGeom prst="rect">
-            <a:avLst/>
-          </a:prstGeom>
-        </p:spPr>
-        <p:txBody>
-          <a:bodyPr wrap="square">
-            <a:spAutoFit/>
-          </a:bodyPr>
-          <a:lstStyle/>
-          <a:p>
-            <a:endParaRPr lang="en-US" dirty="0"/>
-          </a:p>
-          <a:p>
-            <a:r>
-              <a:rPr lang="en-US" b="1" dirty="0"/>
-              <a:t>1. </a:t>
-            </a:r>
-            <a:r>
-              <a:rPr lang="en-CA" b="1" dirty="0"/>
-              <a:t>Manually spot check.</a:t>
-            </a:r>
-            <a:endParaRPr lang="en-US" b="1" dirty="0"/>
-          </a:p>
-          <a:p>
-            <a:endParaRPr lang="en-US" dirty="0"/>
-          </a:p>
-        </p:txBody>
-      </p:sp>
-      <p:pic>
-        <p:nvPicPr>
-          <p:cNvPr id="4" name="Picture 3">
+          <p:cNvPr id="11" name="21 Rectángulo">
             <a:extLst>
               <a:ext uri="{FF2B5EF4-FFF2-40B4-BE49-F238E27FC236}">
-                <a16:creationId xmlns:a16="http://schemas.microsoft.com/office/drawing/2014/main" id="{4EB7728B-755D-4F50-A8F0-5E1C9D72FBD8}"/>
-              </a:ext>
-            </a:extLst>
-          </p:cNvPr>
-          <p:cNvPicPr>
-            <a:picLocks noChangeAspect="1"/>
-          </p:cNvPicPr>
-          <p:nvPr/>
-        </p:nvPicPr>
-        <p:blipFill>
-          <a:blip r:embed="rId3"/>
-          <a:stretch>
-            <a:fillRect/>
-          </a:stretch>
-        </p:blipFill>
-        <p:spPr>
-          <a:xfrm>
-            <a:off x="755577" y="1992834"/>
-            <a:ext cx="6264696" cy="1910469"/>
-          </a:xfrm>
-          <a:prstGeom prst="rect">
-            <a:avLst/>
-          </a:prstGeom>
-        </p:spPr>
-      </p:pic>
-      <p:sp>
-        <p:nvSpPr>
-          <p:cNvPr id="5" name="Rectangle 4">
-            <a:extLst>
-              <a:ext uri="{FF2B5EF4-FFF2-40B4-BE49-F238E27FC236}">
-                <a16:creationId xmlns:a16="http://schemas.microsoft.com/office/drawing/2014/main" id="{9B60C19F-4B4D-4554-90BD-C24A6729A7B1}"/>
+                <a16:creationId xmlns:a16="http://schemas.microsoft.com/office/drawing/2014/main" id="{7023028D-2D55-4B86-B09D-78252B53B67A}"/>
               </a:ext>
             </a:extLst>
           </p:cNvPr>
@@ -11286,101 +10805,104 @@
         </p:nvSpPr>
         <p:spPr>
           <a:xfrm>
-            <a:off x="670406" y="1627075"/>
-            <a:ext cx="7231467" cy="369332"/>
+            <a:off x="467544" y="1124744"/>
+            <a:ext cx="8063808" cy="5201424"/>
           </a:xfrm>
           <a:prstGeom prst="rect">
             <a:avLst/>
           </a:prstGeom>
         </p:spPr>
         <p:txBody>
-          <a:bodyPr wrap="none">
-            <a:spAutoFit/>
-          </a:bodyPr>
-          <a:lstStyle/>
-          <a:p>
-            <a:r>
-              <a:rPr lang="en-US" dirty="0"/>
-              <a:t>1.1. Excel (Counting rows + visually identifying abnormal </a:t>
-            </a:r>
-            <a:r>
-              <a:rPr lang="en-US" dirty="0" err="1"/>
-              <a:t>behaviours</a:t>
-            </a:r>
-            <a:r>
-              <a:rPr lang="en-US" dirty="0"/>
-              <a:t>).</a:t>
-            </a:r>
-          </a:p>
-        </p:txBody>
-      </p:sp>
-      <p:sp>
-        <p:nvSpPr>
-          <p:cNvPr id="9" name="Rectangle 8">
-            <a:extLst>
-              <a:ext uri="{FF2B5EF4-FFF2-40B4-BE49-F238E27FC236}">
-                <a16:creationId xmlns:a16="http://schemas.microsoft.com/office/drawing/2014/main" id="{CFFA351C-9A17-47BE-910E-82A5A8E4EEB8}"/>
-              </a:ext>
-            </a:extLst>
-          </p:cNvPr>
-          <p:cNvSpPr/>
-          <p:nvPr/>
-        </p:nvSpPr>
-        <p:spPr>
-          <a:xfrm>
-            <a:off x="683568" y="4149080"/>
-            <a:ext cx="7562711" cy="646331"/>
-          </a:xfrm>
-          <a:prstGeom prst="rect">
-            <a:avLst/>
-          </a:prstGeom>
-        </p:spPr>
-        <p:txBody>
-          <a:bodyPr wrap="none">
-            <a:spAutoFit/>
-          </a:bodyPr>
-          <a:lstStyle/>
-          <a:p>
-            <a:r>
-              <a:rPr lang="en-US" dirty="0"/>
-              <a:t>1.2. SQL (Logic validation by testing spot cases and grouping results by </a:t>
-            </a:r>
-          </a:p>
-          <a:p>
-            <a:r>
-              <a:rPr lang="en-US" dirty="0"/>
-              <a:t>       different variables).</a:t>
-            </a:r>
-          </a:p>
-        </p:txBody>
-      </p:sp>
-      <p:sp>
-        <p:nvSpPr>
-          <p:cNvPr id="10" name="21 Rectángulo">
-            <a:extLst>
-              <a:ext uri="{FF2B5EF4-FFF2-40B4-BE49-F238E27FC236}">
-                <a16:creationId xmlns:a16="http://schemas.microsoft.com/office/drawing/2014/main" id="{9F4B3421-D853-4967-9E5E-6E963DAB62A2}"/>
-              </a:ext>
-            </a:extLst>
-          </p:cNvPr>
-          <p:cNvSpPr/>
-          <p:nvPr/>
-        </p:nvSpPr>
-        <p:spPr>
-          <a:xfrm>
-            <a:off x="539552" y="4809926"/>
-            <a:ext cx="8496944" cy="923330"/>
-          </a:xfrm>
-          <a:prstGeom prst="rect">
-            <a:avLst/>
-          </a:prstGeom>
-        </p:spPr>
-        <p:txBody>
           <a:bodyPr wrap="square">
             <a:spAutoFit/>
           </a:bodyPr>
           <a:lstStyle/>
           <a:p>
+            <a:r>
+              <a:rPr lang="en-CA" b="1" dirty="0"/>
+              <a:t>Risk areas:</a:t>
+            </a:r>
+          </a:p>
+          <a:p>
+            <a:endParaRPr lang="en-CA" sz="800" b="1" dirty="0"/>
+          </a:p>
+          <a:p>
+            <a:pPr marL="285750" indent="-285750">
+              <a:buFont typeface="Arial" panose="020B0604020202020204" pitchFamily="34" charset="0"/>
+              <a:buChar char="•"/>
+            </a:pPr>
+            <a:r>
+              <a:rPr lang="en-US" dirty="0"/>
+              <a:t>Duplicate rows containing changes that make challenging to differentiate between errors and correct info.</a:t>
+            </a:r>
+          </a:p>
+          <a:p>
+            <a:endParaRPr lang="en-US" dirty="0"/>
+          </a:p>
+          <a:p>
+            <a:pPr marL="285750" indent="-285750">
+              <a:buFont typeface="Arial" panose="020B0604020202020204" pitchFamily="34" charset="0"/>
+              <a:buChar char="•"/>
+            </a:pPr>
+            <a:r>
+              <a:rPr lang="en-US" dirty="0"/>
+              <a:t>Missing info in rows that contain relevant info.</a:t>
+            </a:r>
+          </a:p>
+          <a:p>
+            <a:pPr marL="285750" indent="-285750">
+              <a:buFont typeface="Arial" panose="020B0604020202020204" pitchFamily="34" charset="0"/>
+              <a:buChar char="•"/>
+            </a:pPr>
+            <a:endParaRPr lang="en-US" dirty="0"/>
+          </a:p>
+          <a:p>
+            <a:r>
+              <a:rPr lang="en-CA" b="1" i="1" dirty="0"/>
+              <a:t>QA process planed in 2 stages:</a:t>
+            </a:r>
+          </a:p>
+          <a:p>
+            <a:endParaRPr lang="en-CA" b="1" i="1" dirty="0"/>
+          </a:p>
+          <a:p>
+            <a:r>
+              <a:rPr lang="en-US" b="1" dirty="0"/>
+              <a:t>1. </a:t>
+            </a:r>
+            <a:r>
+              <a:rPr lang="en-CA" b="1" dirty="0"/>
+              <a:t>Manual spot check.</a:t>
+            </a:r>
+            <a:endParaRPr lang="en-US" dirty="0"/>
+          </a:p>
+          <a:p>
+            <a:endParaRPr lang="en-CA" b="1" i="1" dirty="0"/>
+          </a:p>
+          <a:p>
+            <a:r>
+              <a:rPr lang="en-US" dirty="0"/>
+              <a:t>1.1. Excel (Counting rows + </a:t>
+            </a:r>
+            <a:r>
+              <a:rPr lang="en-CA" dirty="0"/>
+              <a:t>identifying empty columns and data uniqueness</a:t>
+            </a:r>
+            <a:r>
+              <a:rPr lang="en-US" dirty="0"/>
+              <a:t>).</a:t>
+            </a:r>
+          </a:p>
+          <a:p>
+            <a:endParaRPr lang="en-US" dirty="0"/>
+          </a:p>
+          <a:p>
+            <a:r>
+              <a:rPr lang="en-US" dirty="0"/>
+              <a:t>1.2. SQL (Validation of results comparing with some statistics, identifying and removing nulls. Logic validation by testing spot cases and grouping results by different variables).</a:t>
+            </a:r>
+          </a:p>
+          <a:p>
             <a:endParaRPr lang="en-US" dirty="0"/>
           </a:p>
           <a:p>
@@ -11390,14 +10912,15 @@
             </a:r>
             <a:r>
               <a:rPr lang="en-CA" b="1" dirty="0"/>
-              <a:t>Systematic validation.</a:t>
-            </a:r>
-            <a:endParaRPr lang="en-US" b="1" dirty="0"/>
-          </a:p>
-          <a:p>
+              <a:t>Systematic validation: </a:t>
+            </a:r>
+            <a:r>
+              <a:rPr lang="en-CA" dirty="0"/>
+              <a:t>Developing queries to validate my results (</a:t>
+            </a:r>
             <a:r>
               <a:rPr lang="en-US" dirty="0"/>
-              <a:t>   For future work</a:t>
+              <a:t>For future work.</a:t>
             </a:r>
           </a:p>
         </p:txBody>
@@ -11637,7 +11160,7 @@
             </a:r>
             <a:r>
               <a:rPr lang="en-US" dirty="0"/>
-              <a:t>A more exhaustive results verification to improve my queries and answers.</a:t>
+              <a:t>A more exhaustive results verification to improve my queries.</a:t>
             </a:r>
             <a:endParaRPr lang="en-CA" dirty="0"/>
           </a:p>

--- a/SQL-Project Presentation.pptx
+++ b/SQL-Project Presentation.pptx
@@ -6470,7 +6470,7 @@
                 <a:latin typeface="Arial" pitchFamily="34" charset="0"/>
                 <a:cs typeface="Arial" pitchFamily="34" charset="0"/>
               </a:rPr>
-              <a:t>HENRY FABIÁN GIORGI</a:t>
+              <a:t>HENRY GIORGI</a:t>
             </a:r>
           </a:p>
           <a:p>
@@ -10899,7 +10899,15 @@
           <a:p>
             <a:r>
               <a:rPr lang="en-US" dirty="0"/>
-              <a:t>1.2. SQL (Validation of results comparing with some statistics, identifying and removing nulls. Logic validation by testing spot cases and grouping results by different variables).</a:t>
+              <a:t>1.2. SQL (Validation of results comparing with Min and </a:t>
+            </a:r>
+            <a:r>
+              <a:rPr lang="en-US"/>
+              <a:t>Max values, </a:t>
+            </a:r>
+            <a:r>
+              <a:rPr lang="en-US" dirty="0"/>
+              <a:t>identifying and removing nulls. Logic validation by testing spot cases and grouping results by different variables).</a:t>
             </a:r>
           </a:p>
           <a:p>
